--- a/00_2016.1.pptx
+++ b/00_2016.1.pptx
@@ -5,7 +5,7 @@
     <p:sldMasterId id="2147483744" r:id="rId1"/>
   </p:sldMasterIdLst>
   <p:notesMasterIdLst>
-    <p:notesMasterId r:id="rId22"/>
+    <p:notesMasterId r:id="rId23"/>
   </p:notesMasterIdLst>
   <p:sldIdLst>
     <p:sldId id="256" r:id="rId2"/>
@@ -28,6 +28,7 @@
     <p:sldId id="281" r:id="rId19"/>
     <p:sldId id="280" r:id="rId20"/>
     <p:sldId id="282" r:id="rId21"/>
+    <p:sldId id="283" r:id="rId22"/>
   </p:sldIdLst>
   <p:sldSz cx="9144000" cy="6858000" type="screen4x3"/>
   <p:notesSz cx="6858000" cy="9144000"/>
@@ -6278,83 +6279,6 @@
               <a:t>)</a:t>
             </a:r>
             <a:endParaRPr kumimoji="1" lang="en-US" altLang="ja-JP" smtClean="0"/>
-          </a:p>
-        </p:txBody>
-      </p:sp>
-      <p:sp>
-        <p:nvSpPr>
-          <p:cNvPr id="4" name="テキスト ボックス 3"/>
-          <p:cNvSpPr txBox="1"/>
-          <p:nvPr/>
-        </p:nvSpPr>
-        <p:spPr>
-          <a:xfrm>
-            <a:off x="513895" y="1772816"/>
-            <a:ext cx="8351966" cy="954107"/>
-          </a:xfrm>
-          <a:prstGeom prst="rect">
-            <a:avLst/>
-          </a:prstGeom>
-          <a:noFill/>
-        </p:spPr>
-        <p:txBody>
-          <a:bodyPr wrap="none" rtlCol="0">
-            <a:spAutoFit/>
-          </a:bodyPr>
-          <a:lstStyle/>
-          <a:p>
-            <a:r>
-              <a:rPr lang="ja-JP" altLang="en-US" sz="2800" dirty="0" smtClean="0">
-                <a:latin typeface="Consolas" panose="020B0609020204030204" pitchFamily="49" charset="0"/>
-                <a:cs typeface="Consolas" panose="020B0609020204030204" pitchFamily="49" charset="0"/>
-              </a:rPr>
-              <a:t>以下の</a:t>
-            </a:r>
-            <a:r>
-              <a:rPr lang="en-US" altLang="ja-JP" sz="2800" dirty="0" smtClean="0">
-                <a:latin typeface="Consolas" panose="020B0609020204030204" pitchFamily="49" charset="0"/>
-                <a:cs typeface="Consolas" panose="020B0609020204030204" pitchFamily="49" charset="0"/>
-              </a:rPr>
-              <a:t>URL</a:t>
-            </a:r>
-            <a:r>
-              <a:rPr lang="ja-JP" altLang="en-US" sz="2800" dirty="0" smtClean="0">
-                <a:latin typeface="Consolas" panose="020B0609020204030204" pitchFamily="49" charset="0"/>
-                <a:cs typeface="Consolas" panose="020B0609020204030204" pitchFamily="49" charset="0"/>
-              </a:rPr>
-              <a:t>を開いてください。</a:t>
-            </a:r>
-            <a:endParaRPr lang="en-US" altLang="ja-JP" sz="2800" dirty="0" smtClean="0">
-              <a:latin typeface="Consolas" panose="020B0609020204030204" pitchFamily="49" charset="0"/>
-              <a:cs typeface="Consolas" panose="020B0609020204030204" pitchFamily="49" charset="0"/>
-            </a:endParaRPr>
-          </a:p>
-          <a:p>
-            <a:r>
-              <a:rPr lang="en-US" altLang="ja-JP" sz="2800" dirty="0" smtClean="0">
-                <a:latin typeface="Consolas" panose="020B0609020204030204" pitchFamily="49" charset="0"/>
-                <a:cs typeface="Consolas" panose="020B0609020204030204" pitchFamily="49" charset="0"/>
-              </a:rPr>
-              <a:t>https</a:t>
-            </a:r>
-            <a:r>
-              <a:rPr lang="en-US" altLang="ja-JP" sz="2800" dirty="0">
-                <a:latin typeface="Consolas" panose="020B0609020204030204" pitchFamily="49" charset="0"/>
-                <a:cs typeface="Consolas" panose="020B0609020204030204" pitchFamily="49" charset="0"/>
-              </a:rPr>
-              <a:t>://</a:t>
-            </a:r>
-            <a:r>
-              <a:rPr lang="en-US" altLang="ja-JP" sz="2800" dirty="0" smtClean="0">
-                <a:latin typeface="Consolas" panose="020B0609020204030204" pitchFamily="49" charset="0"/>
-                <a:cs typeface="Consolas" panose="020B0609020204030204" pitchFamily="49" charset="0"/>
-              </a:rPr>
-              <a:t>github.com/tanakaedu/dat16_spring</a:t>
-            </a:r>
-            <a:endParaRPr kumimoji="1" lang="ja-JP" altLang="en-US" sz="2800" dirty="0">
-              <a:latin typeface="Consolas" panose="020B0609020204030204" pitchFamily="49" charset="0"/>
-              <a:cs typeface="Consolas" panose="020B0609020204030204" pitchFamily="49" charset="0"/>
-            </a:endParaRPr>
           </a:p>
         </p:txBody>
       </p:sp>
@@ -12153,7 +12077,7 @@
         <p:spPr/>
         <p:txBody>
           <a:bodyPr>
-            <a:normAutofit/>
+            <a:normAutofit fontScale="92500" lnSpcReduction="20000"/>
           </a:bodyPr>
           <a:lstStyle/>
           <a:p>
@@ -12162,14 +12086,7 @@
                 <a:latin typeface="HGP創英ﾌﾟﾚｾﾞﾝｽEB" panose="02020800000000000000" pitchFamily="18" charset="-128"/>
                 <a:ea typeface="HGP創英ﾌﾟﾚｾﾞﾝｽEB" panose="02020800000000000000" pitchFamily="18" charset="-128"/>
               </a:rPr>
-              <a:t>Visual </a:t>
-            </a:r>
-            <a:r>
-              <a:rPr kumimoji="1" lang="en-US" altLang="ja-JP" sz="3600" dirty="0" smtClean="0">
-                <a:latin typeface="HGP創英ﾌﾟﾚｾﾞﾝｽEB" panose="02020800000000000000" pitchFamily="18" charset="-128"/>
-                <a:ea typeface="HGP創英ﾌﾟﾚｾﾞﾝｽEB" panose="02020800000000000000" pitchFamily="18" charset="-128"/>
-              </a:rPr>
-              <a:t>C#</a:t>
+              <a:t>Visual C#</a:t>
             </a:r>
             <a:r>
               <a:rPr kumimoji="1" lang="ja-JP" altLang="en-US" sz="3600" dirty="0" smtClean="0">
@@ -12197,7 +12114,14 @@
                 <a:latin typeface="HGP創英ﾌﾟﾚｾﾞﾝｽEB" panose="02020800000000000000" pitchFamily="18" charset="-128"/>
                 <a:ea typeface="HGP創英ﾌﾟﾚｾﾞﾝｽEB" panose="02020800000000000000" pitchFamily="18" charset="-128"/>
               </a:rPr>
-              <a:t>回程度</a:t>
+              <a:t>回</a:t>
+            </a:r>
+            <a:r>
+              <a:rPr lang="ja-JP" altLang="en-US" sz="3200" dirty="0" smtClean="0">
+                <a:latin typeface="HGP創英ﾌﾟﾚｾﾞﾝｽEB" panose="02020800000000000000" pitchFamily="18" charset="-128"/>
+                <a:ea typeface="HGP創英ﾌﾟﾚｾﾞﾝｽEB" panose="02020800000000000000" pitchFamily="18" charset="-128"/>
+              </a:rPr>
+              <a:t>程度</a:t>
             </a:r>
             <a:endParaRPr lang="en-US" altLang="ja-JP" sz="3200" dirty="0" smtClean="0">
               <a:latin typeface="HGP創英ﾌﾟﾚｾﾞﾝｽEB" panose="02020800000000000000" pitchFamily="18" charset="-128"/>
@@ -12205,8 +12129,70 @@
             </a:endParaRPr>
           </a:p>
           <a:p>
+            <a:r>
+              <a:rPr lang="en-US" altLang="ja-JP" sz="3500" dirty="0" smtClean="0">
+                <a:latin typeface="HGP創英ﾌﾟﾚｾﾞﾝｽEB" panose="02020800000000000000" pitchFamily="18" charset="-128"/>
+                <a:ea typeface="HGP創英ﾌﾟﾚｾﾞﾝｽEB" panose="02020800000000000000" pitchFamily="18" charset="-128"/>
+              </a:rPr>
+              <a:t>Visual C#</a:t>
+            </a:r>
+            <a:r>
+              <a:rPr lang="ja-JP" altLang="en-US" sz="3500" dirty="0" smtClean="0">
+                <a:latin typeface="HGP創英ﾌﾟﾚｾﾞﾝｽEB" panose="02020800000000000000" pitchFamily="18" charset="-128"/>
+                <a:ea typeface="HGP創英ﾌﾟﾚｾﾞﾝｽEB" panose="02020800000000000000" pitchFamily="18" charset="-128"/>
+              </a:rPr>
+              <a:t>で簡単なゲーム</a:t>
+            </a:r>
+            <a:r>
+              <a:rPr lang="en-US" altLang="ja-JP" sz="3500" dirty="0" smtClean="0">
+                <a:latin typeface="HGP創英ﾌﾟﾚｾﾞﾝｽEB" panose="02020800000000000000" pitchFamily="18" charset="-128"/>
+                <a:ea typeface="HGP創英ﾌﾟﾚｾﾞﾝｽEB" panose="02020800000000000000" pitchFamily="18" charset="-128"/>
+              </a:rPr>
+              <a:t>[</a:t>
+            </a:r>
+            <a:r>
+              <a:rPr lang="en-US" altLang="ja-JP" sz="3500" dirty="0" err="1" smtClean="0">
+                <a:latin typeface="HGP創英ﾌﾟﾚｾﾞﾝｽEB" panose="02020800000000000000" pitchFamily="18" charset="-128"/>
+                <a:ea typeface="HGP創英ﾌﾟﾚｾﾞﾝｽEB" panose="02020800000000000000" pitchFamily="18" charset="-128"/>
+              </a:rPr>
+              <a:t>toru</a:t>
+            </a:r>
+            <a:r>
+              <a:rPr lang="en-US" altLang="ja-JP" sz="3500" dirty="0" smtClean="0">
+                <a:latin typeface="HGP創英ﾌﾟﾚｾﾞﾝｽEB" panose="02020800000000000000" pitchFamily="18" charset="-128"/>
+                <a:ea typeface="HGP創英ﾌﾟﾚｾﾞﾝｽEB" panose="02020800000000000000" pitchFamily="18" charset="-128"/>
+              </a:rPr>
+              <a:t>]</a:t>
+            </a:r>
+            <a:r>
+              <a:rPr lang="ja-JP" altLang="en-US" sz="3500" dirty="0" smtClean="0">
+                <a:latin typeface="HGP創英ﾌﾟﾚｾﾞﾝｽEB" panose="02020800000000000000" pitchFamily="18" charset="-128"/>
+                <a:ea typeface="HGP創英ﾌﾟﾚｾﾞﾝｽEB" panose="02020800000000000000" pitchFamily="18" charset="-128"/>
+              </a:rPr>
+              <a:t>を作る</a:t>
+            </a:r>
+            <a:endParaRPr lang="en-US" altLang="ja-JP" sz="3500" dirty="0" smtClean="0">
+              <a:latin typeface="HGP創英ﾌﾟﾚｾﾞﾝｽEB" panose="02020800000000000000" pitchFamily="18" charset="-128"/>
+              <a:ea typeface="HGP創英ﾌﾟﾚｾﾞﾝｽEB" panose="02020800000000000000" pitchFamily="18" charset="-128"/>
+            </a:endParaRPr>
+          </a:p>
+          <a:p>
             <a:pPr lvl="1"/>
-            <a:endParaRPr lang="en-US" altLang="ja-JP" sz="3200" dirty="0">
+            <a:r>
+              <a:rPr lang="en-US" altLang="ja-JP" sz="3200" dirty="0" smtClean="0">
+                <a:latin typeface="HGP創英ﾌﾟﾚｾﾞﾝｽEB" panose="02020800000000000000" pitchFamily="18" charset="-128"/>
+                <a:ea typeface="HGP創英ﾌﾟﾚｾﾞﾝｽEB" panose="02020800000000000000" pitchFamily="18" charset="-128"/>
+              </a:rPr>
+              <a:t>3</a:t>
+            </a:r>
+            <a:r>
+              <a:rPr lang="ja-JP" altLang="en-US" sz="3200" dirty="0" smtClean="0">
+                <a:latin typeface="HGP創英ﾌﾟﾚｾﾞﾝｽEB" panose="02020800000000000000" pitchFamily="18" charset="-128"/>
+                <a:ea typeface="HGP創英ﾌﾟﾚｾﾞﾝｽEB" panose="02020800000000000000" pitchFamily="18" charset="-128"/>
+              </a:rPr>
+              <a:t>回程度</a:t>
+            </a:r>
+            <a:endParaRPr lang="en-US" altLang="ja-JP" sz="3200" dirty="0" smtClean="0">
               <a:latin typeface="HGP創英ﾌﾟﾚｾﾞﾝｽEB" panose="02020800000000000000" pitchFamily="18" charset="-128"/>
               <a:ea typeface="HGP創英ﾌﾟﾚｾﾞﾝｽEB" panose="02020800000000000000" pitchFamily="18" charset="-128"/>
             </a:endParaRPr>
@@ -12256,20 +12242,61 @@
             </a:r>
           </a:p>
           <a:p>
+            <a:r>
+              <a:rPr lang="en-US" altLang="ja-JP" sz="3500" dirty="0" smtClean="0">
+                <a:latin typeface="HGP創英ﾌﾟﾚｾﾞﾝｽEB" panose="02020800000000000000" pitchFamily="18" charset="-128"/>
+                <a:ea typeface="HGP創英ﾌﾟﾚｾﾞﾝｽEB" panose="02020800000000000000" pitchFamily="18" charset="-128"/>
+              </a:rPr>
+              <a:t>Visual C#</a:t>
+            </a:r>
+            <a:r>
+              <a:rPr lang="ja-JP" altLang="en-US" sz="3500" dirty="0" smtClean="0">
+                <a:latin typeface="HGP創英ﾌﾟﾚｾﾞﾝｽEB" panose="02020800000000000000" pitchFamily="18" charset="-128"/>
+                <a:ea typeface="HGP創英ﾌﾟﾚｾﾞﾝｽEB" panose="02020800000000000000" pitchFamily="18" charset="-128"/>
+              </a:rPr>
+              <a:t>で作ったゲームを</a:t>
+            </a:r>
+            <a:r>
+              <a:rPr lang="en-US" altLang="ja-JP" sz="3500" dirty="0" smtClean="0">
+                <a:latin typeface="HGP創英ﾌﾟﾚｾﾞﾝｽEB" panose="02020800000000000000" pitchFamily="18" charset="-128"/>
+                <a:ea typeface="HGP創英ﾌﾟﾚｾﾞﾝｽEB" panose="02020800000000000000" pitchFamily="18" charset="-128"/>
+              </a:rPr>
+              <a:t>Unity</a:t>
+            </a:r>
+            <a:r>
+              <a:rPr lang="ja-JP" altLang="en-US" sz="3500" dirty="0" smtClean="0">
+                <a:latin typeface="HGP創英ﾌﾟﾚｾﾞﾝｽEB" panose="02020800000000000000" pitchFamily="18" charset="-128"/>
+                <a:ea typeface="HGP創英ﾌﾟﾚｾﾞﾝｽEB" panose="02020800000000000000" pitchFamily="18" charset="-128"/>
+              </a:rPr>
+              <a:t>に移植</a:t>
+            </a:r>
+            <a:endParaRPr lang="en-US" altLang="ja-JP" sz="3500" dirty="0" smtClean="0">
+              <a:latin typeface="HGP創英ﾌﾟﾚｾﾞﾝｽEB" panose="02020800000000000000" pitchFamily="18" charset="-128"/>
+              <a:ea typeface="HGP創英ﾌﾟﾚｾﾞﾝｽEB" panose="02020800000000000000" pitchFamily="18" charset="-128"/>
+            </a:endParaRPr>
+          </a:p>
+          <a:p>
             <a:pPr lvl="1"/>
             <a:r>
               <a:rPr kumimoji="1" lang="en-US" altLang="ja-JP" sz="3200" dirty="0" smtClean="0">
                 <a:latin typeface="HGP創英ﾌﾟﾚｾﾞﾝｽEB" panose="02020800000000000000" pitchFamily="18" charset="-128"/>
                 <a:ea typeface="HGP創英ﾌﾟﾚｾﾞﾝｽEB" panose="02020800000000000000" pitchFamily="18" charset="-128"/>
               </a:rPr>
-              <a:t>5</a:t>
+              <a:t>3</a:t>
             </a:r>
             <a:r>
               <a:rPr kumimoji="1" lang="ja-JP" altLang="en-US" sz="3200" dirty="0" smtClean="0">
                 <a:latin typeface="HGP創英ﾌﾟﾚｾﾞﾝｽEB" panose="02020800000000000000" pitchFamily="18" charset="-128"/>
                 <a:ea typeface="HGP創英ﾌﾟﾚｾﾞﾝｽEB" panose="02020800000000000000" pitchFamily="18" charset="-128"/>
               </a:rPr>
-              <a:t>回程度</a:t>
+              <a:t>回</a:t>
+            </a:r>
+            <a:r>
+              <a:rPr kumimoji="1" lang="ja-JP" altLang="en-US" sz="3200" dirty="0" smtClean="0">
+                <a:latin typeface="HGP創英ﾌﾟﾚｾﾞﾝｽEB" panose="02020800000000000000" pitchFamily="18" charset="-128"/>
+                <a:ea typeface="HGP創英ﾌﾟﾚｾﾞﾝｽEB" panose="02020800000000000000" pitchFamily="18" charset="-128"/>
+              </a:rPr>
+              <a:t>程度</a:t>
             </a:r>
             <a:endParaRPr kumimoji="1" lang="en-US" altLang="ja-JP" sz="3200" dirty="0" smtClean="0">
               <a:latin typeface="HGP創英ﾌﾟﾚｾﾞﾝｽEB" panose="02020800000000000000" pitchFamily="18" charset="-128"/>
@@ -12555,38 +12582,18 @@
           <a:lstStyle/>
           <a:p>
             <a:r>
-              <a:rPr kumimoji="1" lang="en-US" altLang="ja-JP" sz="3600" dirty="0" err="1" smtClean="0">
-                <a:latin typeface="HGP創英ﾌﾟﾚｾﾞﾝｽEB" panose="02020800000000000000" pitchFamily="18" charset="-128"/>
-                <a:ea typeface="HGP創英ﾌﾟﾚｾﾞﾝｽEB" panose="02020800000000000000" pitchFamily="18" charset="-128"/>
-              </a:rPr>
-              <a:t>Github</a:t>
-            </a:r>
-            <a:r>
-              <a:rPr kumimoji="1" lang="ja-JP" altLang="en-US" sz="3600" dirty="0" err="1" smtClean="0">
-                <a:latin typeface="HGP創英ﾌﾟﾚｾﾞﾝｽEB" panose="02020800000000000000" pitchFamily="18" charset="-128"/>
-                <a:ea typeface="HGP創英ﾌﾟﾚｾﾞﾝｽEB" panose="02020800000000000000" pitchFamily="18" charset="-128"/>
-              </a:rPr>
-              <a:t>への</a:t>
-            </a:r>
-            <a:r>
               <a:rPr kumimoji="1" lang="ja-JP" altLang="en-US" sz="3600" dirty="0" smtClean="0">
                 <a:latin typeface="HGP創英ﾌﾟﾚｾﾞﾝｽEB" panose="02020800000000000000" pitchFamily="18" charset="-128"/>
                 <a:ea typeface="HGP創英ﾌﾟﾚｾﾞﾝｽEB" panose="02020800000000000000" pitchFamily="18" charset="-128"/>
               </a:rPr>
-              <a:t>登録</a:t>
-            </a:r>
-            <a:endParaRPr kumimoji="1" lang="en-US" altLang="ja-JP" sz="3600" dirty="0" smtClean="0">
-              <a:latin typeface="HGP創英ﾌﾟﾚｾﾞﾝｽEB" panose="02020800000000000000" pitchFamily="18" charset="-128"/>
-              <a:ea typeface="HGP創英ﾌﾟﾚｾﾞﾝｽEB" panose="02020800000000000000" pitchFamily="18" charset="-128"/>
-            </a:endParaRPr>
-          </a:p>
-          <a:p>
+              <a:t>プログラム</a:t>
+            </a:r>
             <a:r>
               <a:rPr kumimoji="1" lang="ja-JP" altLang="en-US" sz="3600" dirty="0" smtClean="0">
                 <a:latin typeface="HGP創英ﾌﾟﾚｾﾞﾝｽEB" panose="02020800000000000000" pitchFamily="18" charset="-128"/>
                 <a:ea typeface="HGP創英ﾌﾟﾚｾﾞﾝｽEB" panose="02020800000000000000" pitchFamily="18" charset="-128"/>
               </a:rPr>
-              <a:t>プログラムとは？</a:t>
+              <a:t>とは？</a:t>
             </a:r>
             <a:endParaRPr kumimoji="1" lang="en-US" altLang="ja-JP" sz="3600" dirty="0" smtClean="0">
               <a:latin typeface="HGP創英ﾌﾟﾚｾﾞﾝｽEB" panose="02020800000000000000" pitchFamily="18" charset="-128"/>
@@ -12659,14 +12666,7 @@
                 <a:latin typeface="HGP創英ﾌﾟﾚｾﾞﾝｽEB" panose="02020800000000000000" pitchFamily="18" charset="-128"/>
                 <a:ea typeface="HGP創英ﾌﾟﾚｾﾞﾝｽEB" panose="02020800000000000000" pitchFamily="18" charset="-128"/>
               </a:rPr>
-              <a:t>各種</a:t>
-            </a:r>
-            <a:r>
-              <a:rPr lang="ja-JP" altLang="en-US" sz="3600" dirty="0" smtClean="0">
-                <a:latin typeface="HGP創英ﾌﾟﾚｾﾞﾝｽEB" panose="02020800000000000000" pitchFamily="18" charset="-128"/>
-                <a:ea typeface="HGP創英ﾌﾟﾚｾﾞﾝｽEB" panose="02020800000000000000" pitchFamily="18" charset="-128"/>
-              </a:rPr>
-              <a:t>ツール体験</a:t>
+              <a:t>各種ツール体験</a:t>
             </a:r>
             <a:endParaRPr kumimoji="1" lang="en-US" altLang="ja-JP" sz="3600" dirty="0" smtClean="0">
               <a:latin typeface="HGP創英ﾌﾟﾚｾﾞﾝｽEB" panose="02020800000000000000" pitchFamily="18" charset="-128"/>
@@ -12824,33 +12824,15 @@
                                   </p:childTnLst>
                                 </p:cTn>
                               </p:par>
-                            </p:childTnLst>
-                          </p:cTn>
-                        </p:par>
-                      </p:childTnLst>
-                    </p:cTn>
-                  </p:par>
-                  <p:par>
-                    <p:cTn id="13" fill="hold">
-                      <p:stCondLst>
-                        <p:cond delay="indefinite"/>
-                      </p:stCondLst>
-                      <p:childTnLst>
-                        <p:par>
-                          <p:cTn id="14" fill="hold">
-                            <p:stCondLst>
-                              <p:cond delay="0"/>
-                            </p:stCondLst>
-                            <p:childTnLst>
                               <p:par>
-                                <p:cTn id="15" presetID="10" presetClass="entr" presetSubtype="0" fill="hold" grpId="0" nodeType="clickEffect">
+                                <p:cTn id="13" presetID="10" presetClass="entr" presetSubtype="0" fill="hold" grpId="0" nodeType="withEffect">
                                   <p:stCondLst>
                                     <p:cond delay="0"/>
                                   </p:stCondLst>
                                   <p:childTnLst>
                                     <p:set>
                                       <p:cBhvr>
-                                        <p:cTn id="16" dur="1" fill="hold">
+                                        <p:cTn id="14" dur="1" fill="hold">
                                           <p:stCondLst>
                                             <p:cond delay="0"/>
                                           </p:stCondLst>
@@ -12872,7 +12854,7 @@
                                     </p:set>
                                     <p:animEffect transition="in" filter="fade">
                                       <p:cBhvr>
-                                        <p:cTn id="17" dur="500"/>
+                                        <p:cTn id="15" dur="500"/>
                                         <p:tgtEl>
                                           <p:spTgt spid="3">
                                             <p:txEl>
@@ -12885,8 +12867,26 @@
                                   </p:childTnLst>
                                 </p:cTn>
                               </p:par>
+                            </p:childTnLst>
+                          </p:cTn>
+                        </p:par>
+                      </p:childTnLst>
+                    </p:cTn>
+                  </p:par>
+                  <p:par>
+                    <p:cTn id="16" fill="hold">
+                      <p:stCondLst>
+                        <p:cond delay="indefinite"/>
+                      </p:stCondLst>
+                      <p:childTnLst>
+                        <p:par>
+                          <p:cTn id="17" fill="hold">
+                            <p:stCondLst>
+                              <p:cond delay="0"/>
+                            </p:stCondLst>
+                            <p:childTnLst>
                               <p:par>
-                                <p:cTn id="18" presetID="10" presetClass="entr" presetSubtype="0" fill="hold" grpId="0" nodeType="withEffect">
+                                <p:cTn id="18" presetID="10" presetClass="entr" presetSubtype="0" fill="hold" grpId="0" nodeType="clickEffect">
                                   <p:stCondLst>
                                     <p:cond delay="0"/>
                                   </p:stCondLst>
@@ -13056,67 +13056,6 @@
                       </p:childTnLst>
                     </p:cTn>
                   </p:par>
-                  <p:par>
-                    <p:cTn id="31" fill="hold">
-                      <p:stCondLst>
-                        <p:cond delay="indefinite"/>
-                      </p:stCondLst>
-                      <p:childTnLst>
-                        <p:par>
-                          <p:cTn id="32" fill="hold">
-                            <p:stCondLst>
-                              <p:cond delay="0"/>
-                            </p:stCondLst>
-                            <p:childTnLst>
-                              <p:par>
-                                <p:cTn id="33" presetID="10" presetClass="entr" presetSubtype="0" fill="hold" grpId="0" nodeType="clickEffect">
-                                  <p:stCondLst>
-                                    <p:cond delay="0"/>
-                                  </p:stCondLst>
-                                  <p:childTnLst>
-                                    <p:set>
-                                      <p:cBhvr>
-                                        <p:cTn id="34" dur="1" fill="hold">
-                                          <p:stCondLst>
-                                            <p:cond delay="0"/>
-                                          </p:stCondLst>
-                                        </p:cTn>
-                                        <p:tgtEl>
-                                          <p:spTgt spid="3">
-                                            <p:txEl>
-                                              <p:pRg st="6" end="6"/>
-                                            </p:txEl>
-                                          </p:spTgt>
-                                        </p:tgtEl>
-                                        <p:attrNameLst>
-                                          <p:attrName>style.visibility</p:attrName>
-                                        </p:attrNameLst>
-                                      </p:cBhvr>
-                                      <p:to>
-                                        <p:strVal val="visible"/>
-                                      </p:to>
-                                    </p:set>
-                                    <p:animEffect transition="in" filter="fade">
-                                      <p:cBhvr>
-                                        <p:cTn id="35" dur="500"/>
-                                        <p:tgtEl>
-                                          <p:spTgt spid="3">
-                                            <p:txEl>
-                                              <p:pRg st="6" end="6"/>
-                                            </p:txEl>
-                                          </p:spTgt>
-                                        </p:tgtEl>
-                                      </p:cBhvr>
-                                    </p:animEffect>
-                                  </p:childTnLst>
-                                </p:cTn>
-                              </p:par>
-                            </p:childTnLst>
-                          </p:cTn>
-                        </p:par>
-                      </p:childTnLst>
-                    </p:cTn>
-                  </p:par>
                 </p:childTnLst>
               </p:cTn>
               <p:prevCondLst>
@@ -13211,7 +13150,7 @@
         <p:spPr/>
         <p:txBody>
           <a:bodyPr>
-            <a:normAutofit lnSpcReduction="10000"/>
+            <a:normAutofit fontScale="62500" lnSpcReduction="20000"/>
           </a:bodyPr>
           <a:lstStyle/>
           <a:p>
@@ -13221,7 +13160,64 @@
               </a:lnSpc>
             </a:pPr>
             <a:r>
+              <a:rPr lang="en-US" altLang="ja-JP" sz="5400" dirty="0" smtClean="0">
+                <a:latin typeface="HGP創英ﾌﾟﾚｾﾞﾝｽEB" panose="02020800000000000000" pitchFamily="18" charset="-128"/>
+                <a:ea typeface="HGP創英ﾌﾟﾚｾﾞﾝｽEB" panose="02020800000000000000" pitchFamily="18" charset="-128"/>
+              </a:rPr>
+              <a:t>Microsoft</a:t>
+            </a:r>
+            <a:r>
+              <a:rPr lang="ja-JP" altLang="en-US" sz="5400" dirty="0" smtClean="0">
+                <a:latin typeface="HGP創英ﾌﾟﾚｾﾞﾝｽEB" panose="02020800000000000000" pitchFamily="18" charset="-128"/>
+                <a:ea typeface="HGP創英ﾌﾟﾚｾﾞﾝｽEB" panose="02020800000000000000" pitchFamily="18" charset="-128"/>
+              </a:rPr>
+              <a:t>アカウントの登録</a:t>
+            </a:r>
+            <a:endParaRPr lang="en-US" altLang="ja-JP" sz="5400" dirty="0" smtClean="0">
+              <a:latin typeface="HGP創英ﾌﾟﾚｾﾞﾝｽEB" panose="02020800000000000000" pitchFamily="18" charset="-128"/>
+              <a:ea typeface="HGP創英ﾌﾟﾚｾﾞﾝｽEB" panose="02020800000000000000" pitchFamily="18" charset="-128"/>
+            </a:endParaRPr>
+          </a:p>
+          <a:p>
+            <a:pPr>
+              <a:lnSpc>
+                <a:spcPct val="150000"/>
+              </a:lnSpc>
+            </a:pPr>
+            <a:r>
               <a:rPr lang="en-US" altLang="ja-JP" sz="5400" dirty="0">
+                <a:latin typeface="HGP創英ﾌﾟﾚｾﾞﾝｽEB" panose="02020800000000000000" pitchFamily="18" charset="-128"/>
+                <a:ea typeface="HGP創英ﾌﾟﾚｾﾞﾝｽEB" panose="02020800000000000000" pitchFamily="18" charset="-128"/>
+              </a:rPr>
+              <a:t>GitHub</a:t>
+            </a:r>
+            <a:r>
+              <a:rPr lang="ja-JP" altLang="en-US" sz="5400" dirty="0">
+                <a:latin typeface="HGP創英ﾌﾟﾚｾﾞﾝｽEB" panose="02020800000000000000" pitchFamily="18" charset="-128"/>
+                <a:ea typeface="HGP創英ﾌﾟﾚｾﾞﾝｽEB" panose="02020800000000000000" pitchFamily="18" charset="-128"/>
+              </a:rPr>
+              <a:t>の登録・講義ページを</a:t>
+            </a:r>
+            <a:r>
+              <a:rPr lang="en-US" altLang="ja-JP" sz="5400" dirty="0" smtClean="0">
+                <a:latin typeface="HGP創英ﾌﾟﾚｾﾞﾝｽEB" panose="02020800000000000000" pitchFamily="18" charset="-128"/>
+                <a:ea typeface="HGP創英ﾌﾟﾚｾﾞﾝｽEB" panose="02020800000000000000" pitchFamily="18" charset="-128"/>
+              </a:rPr>
+              <a:t>Star</a:t>
+            </a:r>
+            <a:endParaRPr lang="en-US" altLang="ja-JP" sz="5400" dirty="0" smtClean="0">
+              <a:latin typeface="HGP創英ﾌﾟﾚｾﾞﾝｽEB" panose="02020800000000000000" pitchFamily="18" charset="-128"/>
+              <a:ea typeface="HGP創英ﾌﾟﾚｾﾞﾝｽEB" panose="02020800000000000000" pitchFamily="18" charset="-128"/>
+            </a:endParaRPr>
+          </a:p>
+          <a:p>
+            <a:pPr>
+              <a:lnSpc>
+                <a:spcPct val="150000"/>
+              </a:lnSpc>
+            </a:pPr>
+            <a:r>
+              <a:rPr lang="en-US" altLang="ja-JP" sz="5400" dirty="0" smtClean="0">
                 <a:latin typeface="HGP創英ﾌﾟﾚｾﾞﾝｽEB" panose="02020800000000000000" pitchFamily="18" charset="-128"/>
                 <a:ea typeface="HGP創英ﾌﾟﾚｾﾞﾝｽEB" panose="02020800000000000000" pitchFamily="18" charset="-128"/>
               </a:rPr>
@@ -13257,21 +13253,7 @@
                 <a:latin typeface="HGP創英ﾌﾟﾚｾﾞﾝｽEB" panose="02020800000000000000" pitchFamily="18" charset="-128"/>
                 <a:ea typeface="HGP創英ﾌﾟﾚｾﾞﾝｽEB" panose="02020800000000000000" pitchFamily="18" charset="-128"/>
               </a:rPr>
-              <a:t>ドットインストール</a:t>
-            </a:r>
-            <a:r>
-              <a:rPr kumimoji="1" lang="ja-JP" altLang="en-US" sz="5400" dirty="0" smtClean="0">
-                <a:latin typeface="HGP創英ﾌﾟﾚｾﾞﾝｽEB" panose="02020800000000000000" pitchFamily="18" charset="-128"/>
-                <a:ea typeface="HGP創英ﾌﾟﾚｾﾞﾝｽEB" panose="02020800000000000000" pitchFamily="18" charset="-128"/>
-              </a:rPr>
-              <a:t>の</a:t>
-            </a:r>
-            <a:r>
-              <a:rPr kumimoji="1" lang="ja-JP" altLang="en-US" sz="5400" dirty="0" smtClean="0">
-                <a:latin typeface="HGP創英ﾌﾟﾚｾﾞﾝｽEB" panose="02020800000000000000" pitchFamily="18" charset="-128"/>
-                <a:ea typeface="HGP創英ﾌﾟﾚｾﾞﾝｽEB" panose="02020800000000000000" pitchFamily="18" charset="-128"/>
-              </a:rPr>
-              <a:t>紹介</a:t>
+              <a:t>ドットインストールの紹介</a:t>
             </a:r>
             <a:endParaRPr kumimoji="1" lang="en-US" altLang="ja-JP" sz="5400" dirty="0" smtClean="0">
               <a:latin typeface="HGP創英ﾌﾟﾚｾﾞﾝｽEB" panose="02020800000000000000" pitchFamily="18" charset="-128"/>
@@ -13296,14 +13278,7 @@
                 <a:latin typeface="HGP創英ﾌﾟﾚｾﾞﾝｽEB" panose="02020800000000000000" pitchFamily="18" charset="-128"/>
                 <a:ea typeface="HGP創英ﾌﾟﾚｾﾞﾝｽEB" panose="02020800000000000000" pitchFamily="18" charset="-128"/>
               </a:rPr>
-              <a:t>の</a:t>
-            </a:r>
-            <a:r>
-              <a:rPr lang="ja-JP" altLang="en-US" sz="5400" dirty="0" smtClean="0">
-                <a:latin typeface="HGP創英ﾌﾟﾚｾﾞﾝｽEB" panose="02020800000000000000" pitchFamily="18" charset="-128"/>
-                <a:ea typeface="HGP創英ﾌﾟﾚｾﾞﾝｽEB" panose="02020800000000000000" pitchFamily="18" charset="-128"/>
-              </a:rPr>
-              <a:t>紹介</a:t>
+              <a:t>の紹介</a:t>
             </a:r>
             <a:endParaRPr lang="en-US" altLang="ja-JP" sz="5400" dirty="0" smtClean="0">
               <a:latin typeface="HGP創英ﾌﾟﾚｾﾞﾝｽEB" panose="02020800000000000000" pitchFamily="18" charset="-128"/>
@@ -13317,7 +13292,7 @@
               </a:lnSpc>
             </a:pPr>
             <a:r>
-              <a:rPr lang="en-US" altLang="ja-JP" sz="5400" smtClean="0">
+              <a:rPr lang="en-US" altLang="ja-JP" sz="5400" dirty="0" smtClean="0">
                 <a:latin typeface="HGP創英ﾌﾟﾚｾﾞﾝｽEB" panose="02020800000000000000" pitchFamily="18" charset="-128"/>
                 <a:ea typeface="HGP創英ﾌﾟﾚｾﾞﾝｽEB" panose="02020800000000000000" pitchFamily="18" charset="-128"/>
               </a:rPr>
@@ -13352,6 +13327,220 @@
     <p:extLst>
       <p:ext uri="{BB962C8B-B14F-4D97-AF65-F5344CB8AC3E}">
         <p14:creationId xmlns:p14="http://schemas.microsoft.com/office/powerpoint/2010/main" val="774322807"/>
+      </p:ext>
+    </p:extLst>
+  </p:cSld>
+  <p:clrMapOvr>
+    <a:masterClrMapping/>
+  </p:clrMapOvr>
+  <mc:AlternateContent xmlns:mc="http://schemas.openxmlformats.org/markup-compatibility/2006" xmlns:p14="http://schemas.microsoft.com/office/powerpoint/2010/main">
+    <mc:Choice Requires="p14">
+      <p:transition spd="slow">
+        <p14:gallery dir="l"/>
+      </p:transition>
+    </mc:Choice>
+    <mc:Fallback xmlns="">
+      <p:transition spd="slow">
+        <p:fade/>
+      </p:transition>
+    </mc:Fallback>
+  </mc:AlternateContent>
+</p:sld>
+</file>
+
+<file path=ppt/slides/slide21.xml><?xml version="1.0" encoding="utf-8"?>
+<p:sld xmlns:a="http://schemas.openxmlformats.org/drawingml/2006/main" xmlns:r="http://schemas.openxmlformats.org/officeDocument/2006/relationships" xmlns:p="http://schemas.openxmlformats.org/presentationml/2006/main">
+  <p:cSld>
+    <p:spTree>
+      <p:nvGrpSpPr>
+        <p:cNvPr id="1" name=""/>
+        <p:cNvGrpSpPr/>
+        <p:nvPr/>
+      </p:nvGrpSpPr>
+      <p:grpSpPr>
+        <a:xfrm>
+          <a:off x="0" y="0"/>
+          <a:ext cx="0" cy="0"/>
+          <a:chOff x="0" y="0"/>
+          <a:chExt cx="0" cy="0"/>
+        </a:xfrm>
+      </p:grpSpPr>
+      <p:sp>
+        <p:nvSpPr>
+          <p:cNvPr id="2" name="タイトル 1"/>
+          <p:cNvSpPr>
+            <a:spLocks noGrp="1"/>
+          </p:cNvSpPr>
+          <p:nvPr>
+            <p:ph type="title"/>
+          </p:nvPr>
+        </p:nvSpPr>
+        <p:spPr/>
+        <p:txBody>
+          <a:bodyPr/>
+          <a:lstStyle/>
+          <a:p>
+            <a:r>
+              <a:rPr lang="en-US" altLang="ja-JP" dirty="0" smtClean="0">
+                <a:latin typeface="HGP創英ﾌﾟﾚｾﾞﾝｽEB" panose="02020800000000000000" pitchFamily="18" charset="-128"/>
+                <a:ea typeface="HGP創英ﾌﾟﾚｾﾞﾝｽEB" panose="02020800000000000000" pitchFamily="18" charset="-128"/>
+              </a:rPr>
+              <a:t>Microsoft</a:t>
+            </a:r>
+            <a:r>
+              <a:rPr lang="ja-JP" altLang="en-US" dirty="0" smtClean="0">
+                <a:latin typeface="HGP創英ﾌﾟﾚｾﾞﾝｽEB" panose="02020800000000000000" pitchFamily="18" charset="-128"/>
+                <a:ea typeface="HGP創英ﾌﾟﾚｾﾞﾝｽEB" panose="02020800000000000000" pitchFamily="18" charset="-128"/>
+              </a:rPr>
+              <a:t>アカウントの</a:t>
+            </a:r>
+            <a:r>
+              <a:rPr lang="ja-JP" altLang="en-US" dirty="0">
+                <a:latin typeface="HGP創英ﾌﾟﾚｾﾞﾝｽEB" panose="02020800000000000000" pitchFamily="18" charset="-128"/>
+                <a:ea typeface="HGP創英ﾌﾟﾚｾﾞﾝｽEB" panose="02020800000000000000" pitchFamily="18" charset="-128"/>
+              </a:rPr>
+              <a:t>登録</a:t>
+            </a:r>
+            <a:endParaRPr lang="en-US" altLang="ja-JP" dirty="0">
+              <a:latin typeface="HGP創英ﾌﾟﾚｾﾞﾝｽEB" panose="02020800000000000000" pitchFamily="18" charset="-128"/>
+              <a:ea typeface="HGP創英ﾌﾟﾚｾﾞﾝｽEB" panose="02020800000000000000" pitchFamily="18" charset="-128"/>
+            </a:endParaRPr>
+          </a:p>
+        </p:txBody>
+      </p:sp>
+      <p:sp>
+        <p:nvSpPr>
+          <p:cNvPr id="3" name="コンテンツ プレースホルダー 2"/>
+          <p:cNvSpPr>
+            <a:spLocks noGrp="1"/>
+          </p:cNvSpPr>
+          <p:nvPr>
+            <p:ph sz="quarter" idx="1"/>
+          </p:nvPr>
+        </p:nvSpPr>
+        <p:spPr>
+          <a:xfrm>
+            <a:off x="251520" y="1219200"/>
+            <a:ext cx="8784976" cy="4937760"/>
+          </a:xfrm>
+        </p:spPr>
+        <p:txBody>
+          <a:bodyPr>
+            <a:normAutofit/>
+          </a:bodyPr>
+          <a:lstStyle/>
+          <a:p>
+            <a:pPr marL="0" indent="0">
+              <a:buNone/>
+            </a:pPr>
+            <a:r>
+              <a:rPr lang="en-US" altLang="ja-JP" sz="3000" dirty="0">
+                <a:latin typeface="Consolas" panose="020B0609020204030204" pitchFamily="49" charset="0"/>
+                <a:ea typeface="HGP創英ﾌﾟﾚｾﾞﾝｽEB" panose="02020800000000000000" pitchFamily="18" charset="-128"/>
+                <a:cs typeface="Consolas" panose="020B0609020204030204" pitchFamily="49" charset="0"/>
+              </a:rPr>
+              <a:t>https://</a:t>
+            </a:r>
+            <a:r>
+              <a:rPr lang="en-US" altLang="ja-JP" sz="3000" dirty="0" smtClean="0">
+                <a:latin typeface="Consolas" panose="020B0609020204030204" pitchFamily="49" charset="0"/>
+                <a:ea typeface="HGP創英ﾌﾟﾚｾﾞﾝｽEB" panose="02020800000000000000" pitchFamily="18" charset="-128"/>
+                <a:cs typeface="Consolas" panose="020B0609020204030204" pitchFamily="49" charset="0"/>
+              </a:rPr>
+              <a:t>github.com/tanakaedu/dat161-haru</a:t>
+            </a:r>
+          </a:p>
+          <a:p>
+            <a:r>
+              <a:rPr lang="ja-JP" altLang="en-US" sz="2800" dirty="0" smtClean="0">
+                <a:latin typeface="Consolas" panose="020B0609020204030204" pitchFamily="49" charset="0"/>
+                <a:ea typeface="HGP創英ﾌﾟﾚｾﾞﾝｽEB" panose="02020800000000000000" pitchFamily="18" charset="-128"/>
+                <a:cs typeface="Consolas" panose="020B0609020204030204" pitchFamily="49" charset="0"/>
+              </a:rPr>
+              <a:t>説明に従って、</a:t>
+            </a:r>
+            <a:r>
+              <a:rPr lang="en-US" altLang="ja-JP" sz="2800" dirty="0" smtClean="0">
+                <a:latin typeface="Consolas" panose="020B0609020204030204" pitchFamily="49" charset="0"/>
+                <a:ea typeface="HGP創英ﾌﾟﾚｾﾞﾝｽEB" panose="02020800000000000000" pitchFamily="18" charset="-128"/>
+                <a:cs typeface="Consolas" panose="020B0609020204030204" pitchFamily="49" charset="0"/>
+              </a:rPr>
+              <a:t>Microsoft</a:t>
+            </a:r>
+            <a:r>
+              <a:rPr lang="ja-JP" altLang="en-US" sz="2800" dirty="0" smtClean="0">
+                <a:latin typeface="Consolas" panose="020B0609020204030204" pitchFamily="49" charset="0"/>
+                <a:ea typeface="HGP創英ﾌﾟﾚｾﾞﾝｽEB" panose="02020800000000000000" pitchFamily="18" charset="-128"/>
+                <a:cs typeface="Consolas" panose="020B0609020204030204" pitchFamily="49" charset="0"/>
+              </a:rPr>
+              <a:t>アカウント</a:t>
+            </a:r>
+            <a:r>
+              <a:rPr lang="en-US" altLang="ja-JP" sz="2800" dirty="0" smtClean="0">
+                <a:latin typeface="Consolas" panose="020B0609020204030204" pitchFamily="49" charset="0"/>
+                <a:ea typeface="HGP創英ﾌﾟﾚｾﾞﾝｽEB" panose="02020800000000000000" pitchFamily="18" charset="-128"/>
+                <a:cs typeface="Consolas" panose="020B0609020204030204" pitchFamily="49" charset="0"/>
+              </a:rPr>
+              <a:t>(</a:t>
+            </a:r>
+            <a:r>
+              <a:rPr lang="ja-JP" altLang="en-US" sz="2800" dirty="0" smtClean="0">
+                <a:latin typeface="Consolas" panose="020B0609020204030204" pitchFamily="49" charset="0"/>
+                <a:ea typeface="HGP創英ﾌﾟﾚｾﾞﾝｽEB" panose="02020800000000000000" pitchFamily="18" charset="-128"/>
+                <a:cs typeface="Consolas" panose="020B0609020204030204" pitchFamily="49" charset="0"/>
+              </a:rPr>
+              <a:t>と、必要ならメールアドレス</a:t>
+            </a:r>
+            <a:r>
+              <a:rPr lang="en-US" altLang="ja-JP" sz="2800" dirty="0" smtClean="0">
+                <a:latin typeface="Consolas" panose="020B0609020204030204" pitchFamily="49" charset="0"/>
+                <a:ea typeface="HGP創英ﾌﾟﾚｾﾞﾝｽEB" panose="02020800000000000000" pitchFamily="18" charset="-128"/>
+                <a:cs typeface="Consolas" panose="020B0609020204030204" pitchFamily="49" charset="0"/>
+              </a:rPr>
+              <a:t>)</a:t>
+            </a:r>
+            <a:r>
+              <a:rPr lang="ja-JP" altLang="en-US" sz="2800" dirty="0" smtClean="0">
+                <a:latin typeface="Consolas" panose="020B0609020204030204" pitchFamily="49" charset="0"/>
+                <a:ea typeface="HGP創英ﾌﾟﾚｾﾞﾝｽEB" panose="02020800000000000000" pitchFamily="18" charset="-128"/>
+                <a:cs typeface="Consolas" panose="020B0609020204030204" pitchFamily="49" charset="0"/>
+              </a:rPr>
+              <a:t>を登録</a:t>
+            </a:r>
+            <a:endParaRPr lang="ja-JP" altLang="en-US" sz="2800" dirty="0">
+              <a:latin typeface="Consolas" panose="020B0609020204030204" pitchFamily="49" charset="0"/>
+              <a:ea typeface="HGP創英ﾌﾟﾚｾﾞﾝｽEB" panose="02020800000000000000" pitchFamily="18" charset="-128"/>
+              <a:cs typeface="Consolas" panose="020B0609020204030204" pitchFamily="49" charset="0"/>
+            </a:endParaRPr>
+          </a:p>
+          <a:p>
+            <a:pPr>
+              <a:lnSpc>
+                <a:spcPct val="150000"/>
+              </a:lnSpc>
+            </a:pPr>
+            <a:endParaRPr lang="en-US" altLang="ja-JP" sz="2800" dirty="0">
+              <a:latin typeface="Consolas" panose="020B0609020204030204" pitchFamily="49" charset="0"/>
+              <a:ea typeface="HGP創英ﾌﾟﾚｾﾞﾝｽEB" panose="02020800000000000000" pitchFamily="18" charset="-128"/>
+            </a:endParaRPr>
+          </a:p>
+          <a:p>
+            <a:pPr>
+              <a:lnSpc>
+                <a:spcPct val="150000"/>
+              </a:lnSpc>
+            </a:pPr>
+            <a:endParaRPr kumimoji="1" lang="ja-JP" altLang="en-US" sz="2800" dirty="0">
+              <a:latin typeface="Consolas" panose="020B0609020204030204" pitchFamily="49" charset="0"/>
+              <a:ea typeface="HGP創英ﾌﾟﾚｾﾞﾝｽEB" panose="02020800000000000000" pitchFamily="18" charset="-128"/>
+            </a:endParaRPr>
+          </a:p>
+        </p:txBody>
+      </p:sp>
+    </p:spTree>
+    <p:extLst>
+      <p:ext uri="{BB962C8B-B14F-4D97-AF65-F5344CB8AC3E}">
+        <p14:creationId xmlns:p14="http://schemas.microsoft.com/office/powerpoint/2010/main" val="1433638038"/>
       </p:ext>
     </p:extLst>
   </p:cSld>
